--- a/how2heap/unsorted_bin_into_stack/unsorted_bin_into_stack.pptx
+++ b/how2heap/unsorted_bin_into_stack/unsorted_bin_into_stack.pptx
@@ -248,7 +248,7 @@
           <a:p>
             <a:fld id="{867CF7D2-9367-45E5-B2E7-A967028F5BE8}" type="datetimeFigureOut">
               <a:rPr lang="zh-CN" altLang="en-US" smtClean="0"/>
-              <a:t>2025/5/6</a:t>
+              <a:t>2025/5/30</a:t>
             </a:fld>
             <a:endParaRPr lang="zh-CN" altLang="en-US"/>
           </a:p>
@@ -418,7 +418,7 @@
           <a:p>
             <a:fld id="{867CF7D2-9367-45E5-B2E7-A967028F5BE8}" type="datetimeFigureOut">
               <a:rPr lang="zh-CN" altLang="en-US" smtClean="0"/>
-              <a:t>2025/5/6</a:t>
+              <a:t>2025/5/30</a:t>
             </a:fld>
             <a:endParaRPr lang="zh-CN" altLang="en-US"/>
           </a:p>
@@ -598,7 +598,7 @@
           <a:p>
             <a:fld id="{867CF7D2-9367-45E5-B2E7-A967028F5BE8}" type="datetimeFigureOut">
               <a:rPr lang="zh-CN" altLang="en-US" smtClean="0"/>
-              <a:t>2025/5/6</a:t>
+              <a:t>2025/5/30</a:t>
             </a:fld>
             <a:endParaRPr lang="zh-CN" altLang="en-US"/>
           </a:p>
@@ -768,7 +768,7 @@
           <a:p>
             <a:fld id="{867CF7D2-9367-45E5-B2E7-A967028F5BE8}" type="datetimeFigureOut">
               <a:rPr lang="zh-CN" altLang="en-US" smtClean="0"/>
-              <a:t>2025/5/6</a:t>
+              <a:t>2025/5/30</a:t>
             </a:fld>
             <a:endParaRPr lang="zh-CN" altLang="en-US"/>
           </a:p>
@@ -1014,7 +1014,7 @@
           <a:p>
             <a:fld id="{867CF7D2-9367-45E5-B2E7-A967028F5BE8}" type="datetimeFigureOut">
               <a:rPr lang="zh-CN" altLang="en-US" smtClean="0"/>
-              <a:t>2025/5/6</a:t>
+              <a:t>2025/5/30</a:t>
             </a:fld>
             <a:endParaRPr lang="zh-CN" altLang="en-US"/>
           </a:p>
@@ -1246,7 +1246,7 @@
           <a:p>
             <a:fld id="{867CF7D2-9367-45E5-B2E7-A967028F5BE8}" type="datetimeFigureOut">
               <a:rPr lang="zh-CN" altLang="en-US" smtClean="0"/>
-              <a:t>2025/5/6</a:t>
+              <a:t>2025/5/30</a:t>
             </a:fld>
             <a:endParaRPr lang="zh-CN" altLang="en-US"/>
           </a:p>
@@ -1613,7 +1613,7 @@
           <a:p>
             <a:fld id="{867CF7D2-9367-45E5-B2E7-A967028F5BE8}" type="datetimeFigureOut">
               <a:rPr lang="zh-CN" altLang="en-US" smtClean="0"/>
-              <a:t>2025/5/6</a:t>
+              <a:t>2025/5/30</a:t>
             </a:fld>
             <a:endParaRPr lang="zh-CN" altLang="en-US"/>
           </a:p>
@@ -1731,7 +1731,7 @@
           <a:p>
             <a:fld id="{867CF7D2-9367-45E5-B2E7-A967028F5BE8}" type="datetimeFigureOut">
               <a:rPr lang="zh-CN" altLang="en-US" smtClean="0"/>
-              <a:t>2025/5/6</a:t>
+              <a:t>2025/5/30</a:t>
             </a:fld>
             <a:endParaRPr lang="zh-CN" altLang="en-US"/>
           </a:p>
@@ -1826,7 +1826,7 @@
           <a:p>
             <a:fld id="{867CF7D2-9367-45E5-B2E7-A967028F5BE8}" type="datetimeFigureOut">
               <a:rPr lang="zh-CN" altLang="en-US" smtClean="0"/>
-              <a:t>2025/5/6</a:t>
+              <a:t>2025/5/30</a:t>
             </a:fld>
             <a:endParaRPr lang="zh-CN" altLang="en-US"/>
           </a:p>
@@ -2103,7 +2103,7 @@
           <a:p>
             <a:fld id="{867CF7D2-9367-45E5-B2E7-A967028F5BE8}" type="datetimeFigureOut">
               <a:rPr lang="zh-CN" altLang="en-US" smtClean="0"/>
-              <a:t>2025/5/6</a:t>
+              <a:t>2025/5/30</a:t>
             </a:fld>
             <a:endParaRPr lang="zh-CN" altLang="en-US"/>
           </a:p>
@@ -2356,7 +2356,7 @@
           <a:p>
             <a:fld id="{867CF7D2-9367-45E5-B2E7-A967028F5BE8}" type="datetimeFigureOut">
               <a:rPr lang="zh-CN" altLang="en-US" smtClean="0"/>
-              <a:t>2025/5/6</a:t>
+              <a:t>2025/5/30</a:t>
             </a:fld>
             <a:endParaRPr lang="zh-CN" altLang="en-US"/>
           </a:p>
@@ -2569,7 +2569,7 @@
           <a:p>
             <a:fld id="{867CF7D2-9367-45E5-B2E7-A967028F5BE8}" type="datetimeFigureOut">
               <a:rPr lang="zh-CN" altLang="en-US" smtClean="0"/>
-              <a:t>2025/5/6</a:t>
+              <a:t>2025/5/30</a:t>
             </a:fld>
             <a:endParaRPr lang="zh-CN" altLang="en-US"/>
           </a:p>
@@ -3311,7 +3311,7 @@
       </p:grpSpPr>
       <p:pic>
         <p:nvPicPr>
-          <p:cNvPr id="4" name="图片 3"/>
+          <p:cNvPr id="5" name="图片 4"/>
           <p:cNvPicPr>
             <a:picLocks noChangeAspect="1"/>
           </p:cNvPicPr>
